--- a/Presentation1.pptx
+++ b/Presentation1.pptx
@@ -5872,7 +5872,7 @@
             </a:pPr>
             <a:r>
               <a:rPr lang="en-US" dirty="0"/>
-              <a:t>if stock prices are rallying, is this positivism contagious, and therefore, also visible in Bitcoin prices</a:t>
+              <a:t>If stock prices are rallying, is this also visible in Bitcoin prices?</a:t>
             </a:r>
           </a:p>
           <a:p>
@@ -6346,7 +6346,7 @@
         <p:spPr>
           <a:xfrm>
             <a:off x="853735" y="112348"/>
-            <a:ext cx="10283451" cy="3141571"/>
+            <a:ext cx="10283451" cy="3890977"/>
           </a:xfrm>
         </p:spPr>
         <p:txBody>
